--- a/js/week14/sunum/Javascript-Libraries.pptx
+++ b/js/week14/sunum/Javascript-Libraries.pptx
@@ -7007,13 +7007,20 @@
     <a:masterClrMapping/>
   </p:clrMapOvr>
   <mc:AlternateContent xmlns:mc="http://schemas.openxmlformats.org/markup-compatibility/2006">
-    <mc:Choice xmlns="" xmlns:p14="http://schemas.microsoft.com/office/powerpoint/2010/main" xmlns:p15="http://schemas.microsoft.com/office/powerpoint/2012/main" Requires="p14">
+    <mc:Choice xmlns:p15="http://schemas.microsoft.com/office/powerpoint/2012/main" xmlns:p14="http://schemas.microsoft.com/office/powerpoint/2010/main" xmlns="" Requires="p14">
       <p:transition spd="slow" p14:dur="2000"/>
     </mc:Choice>
     <mc:Fallback>
       <p:transition spd="slow"/>
     </mc:Fallback>
   </mc:AlternateContent>
+  <p:timing>
+    <p:tnLst>
+      <p:par>
+        <p:cTn id="1" dur="indefinite" restart="never" nodeType="tmRoot"/>
+      </p:par>
+    </p:tnLst>
+  </p:timing>
 </p:sld>
 </file>
 
@@ -7151,17 +7158,7 @@
                 <a:latin typeface="Roboto"/>
                 <a:ea typeface="Roboto"/>
               </a:rPr>
-              <a:t> faker.js nasil kullanilir</a:t>
-            </a:r>
-            <a:r>
-              <a:rPr lang="de" spc="-1" dirty="0" smtClean="0">
-                <a:solidFill>
-                  <a:srgbClr val="000000"/>
-                </a:solidFill>
-                <a:latin typeface="Roboto"/>
-                <a:ea typeface="Roboto"/>
-              </a:rPr>
-              <a:t>?</a:t>
+              <a:t> faker.js nasil kullanilir?</a:t>
             </a:r>
             <a:endParaRPr lang="en-US" sz="1800" b="0" strike="noStrike" spc="-1" dirty="0">
               <a:latin typeface="Arial"/>
@@ -7309,13 +7306,20 @@
     <a:masterClrMapping/>
   </p:clrMapOvr>
   <mc:AlternateContent xmlns:mc="http://schemas.openxmlformats.org/markup-compatibility/2006">
-    <mc:Choice xmlns="" xmlns:p14="http://schemas.microsoft.com/office/powerpoint/2010/main" xmlns:p15="http://schemas.microsoft.com/office/powerpoint/2012/main" Requires="p14">
+    <mc:Choice xmlns:p15="http://schemas.microsoft.com/office/powerpoint/2012/main" xmlns:p14="http://schemas.microsoft.com/office/powerpoint/2010/main" xmlns="" Requires="p14">
       <p:transition spd="slow" p14:dur="2000"/>
     </mc:Choice>
     <mc:Fallback>
       <p:transition spd="slow"/>
     </mc:Fallback>
   </mc:AlternateContent>
+  <p:timing>
+    <p:tnLst>
+      <p:par>
+        <p:cTn id="1" dur="indefinite" restart="never" nodeType="tmRoot"/>
+      </p:par>
+    </p:tnLst>
+  </p:timing>
 </p:sld>
 </file>
 
@@ -7584,13 +7588,20 @@
     <a:masterClrMapping/>
   </p:clrMapOvr>
   <mc:AlternateContent xmlns:mc="http://schemas.openxmlformats.org/markup-compatibility/2006">
-    <mc:Choice xmlns="" xmlns:p14="http://schemas.microsoft.com/office/powerpoint/2010/main" xmlns:p15="http://schemas.microsoft.com/office/powerpoint/2012/main" Requires="p14">
+    <mc:Choice xmlns:p15="http://schemas.microsoft.com/office/powerpoint/2012/main" xmlns:p14="http://schemas.microsoft.com/office/powerpoint/2010/main" xmlns="" Requires="p14">
       <p:transition spd="slow" p14:dur="2000"/>
     </mc:Choice>
     <mc:Fallback>
       <p:transition spd="slow"/>
     </mc:Fallback>
   </mc:AlternateContent>
+  <p:timing>
+    <p:tnLst>
+      <p:par>
+        <p:cTn id="1" dur="indefinite" restart="never" nodeType="tmRoot"/>
+      </p:par>
+    </p:tnLst>
+  </p:timing>
 </p:sld>
 </file>
 
@@ -7755,8 +7766,67 @@
               <a:buClr>
                 <a:srgbClr val="000000"/>
               </a:buClr>
+              <a:buFont typeface="Roboto"/>
+              <a:buChar char="●"/>
             </a:pPr>
-            <a:endParaRPr lang="tr-TR" dirty="0" smtClean="0"/>
+            <a:r>
+              <a:rPr lang="tr-TR" dirty="0" err="1" smtClean="0"/>
+              <a:t>faker</a:t>
+            </a:r>
+            <a:r>
+              <a:rPr lang="tr-TR" dirty="0" smtClean="0"/>
+              <a:t>.name.</a:t>
+            </a:r>
+            <a:r>
+              <a:rPr lang="tr-TR" dirty="0" err="1" smtClean="0"/>
+              <a:t>firstName</a:t>
+            </a:r>
+            <a:r>
+              <a:rPr lang="tr-TR" dirty="0" smtClean="0"/>
+              <a:t>();</a:t>
+            </a:r>
+          </a:p>
+          <a:p>
+            <a:pPr marL="457200" indent="-342360">
+              <a:lnSpc>
+                <a:spcPct val="115000"/>
+              </a:lnSpc>
+              <a:buClr>
+                <a:srgbClr val="000000"/>
+              </a:buClr>
+            </a:pPr>
+            <a:r>
+              <a:rPr lang="tr-TR" dirty="0" smtClean="0"/>
+              <a:t> </a:t>
+            </a:r>
+          </a:p>
+          <a:p>
+            <a:pPr marL="457200" indent="-342360">
+              <a:lnSpc>
+                <a:spcPct val="115000"/>
+              </a:lnSpc>
+              <a:buClr>
+                <a:srgbClr val="000000"/>
+              </a:buClr>
+              <a:buFont typeface="Roboto"/>
+              <a:buChar char="●"/>
+            </a:pPr>
+            <a:r>
+              <a:rPr lang="tr-TR" dirty="0" err="1" smtClean="0"/>
+              <a:t>faker</a:t>
+            </a:r>
+            <a:r>
+              <a:rPr lang="tr-TR" dirty="0" smtClean="0"/>
+              <a:t>.name.</a:t>
+            </a:r>
+            <a:r>
+              <a:rPr lang="tr-TR" dirty="0" err="1" smtClean="0"/>
+              <a:t>lastName</a:t>
+            </a:r>
+            <a:r>
+              <a:rPr lang="tr-TR" dirty="0" smtClean="0"/>
+              <a:t>(); </a:t>
+            </a:r>
           </a:p>
           <a:p>
             <a:pPr marL="457200" indent="-342360">
@@ -7798,7 +7868,6 @@
               <a:rPr lang="tr-TR" dirty="0" smtClean="0"/>
               <a:t>(); </a:t>
             </a:r>
-            <a:endParaRPr lang="tr-TR" dirty="0" smtClean="0"/>
           </a:p>
           <a:p>
             <a:pPr marL="457200" indent="-342360">
@@ -8009,13 +8078,20 @@
     <a:masterClrMapping/>
   </p:clrMapOvr>
   <mc:AlternateContent xmlns:mc="http://schemas.openxmlformats.org/markup-compatibility/2006">
-    <mc:Choice xmlns="" xmlns:p14="http://schemas.microsoft.com/office/powerpoint/2010/main" xmlns:p15="http://schemas.microsoft.com/office/powerpoint/2012/main" Requires="p14">
+    <mc:Choice xmlns:p15="http://schemas.microsoft.com/office/powerpoint/2012/main" xmlns:p14="http://schemas.microsoft.com/office/powerpoint/2010/main" xmlns="" Requires="p14">
       <p:transition spd="slow" p14:dur="2000"/>
     </mc:Choice>
     <mc:Fallback>
       <p:transition spd="slow"/>
     </mc:Fallback>
   </mc:AlternateContent>
+  <p:timing>
+    <p:tnLst>
+      <p:par>
+        <p:cTn id="1" dur="indefinite" restart="never" nodeType="tmRoot"/>
+      </p:par>
+    </p:tnLst>
+  </p:timing>
 </p:sld>
 </file>
 
@@ -8192,6 +8268,13 @@
   <p:clrMapOvr>
     <a:masterClrMapping/>
   </p:clrMapOvr>
+  <p:timing>
+    <p:tnLst>
+      <p:par>
+        <p:cTn id="1" dur="indefinite" restart="never" nodeType="tmRoot"/>
+      </p:par>
+    </p:tnLst>
+  </p:timing>
 </p:sld>
 </file>
 
@@ -8695,11 +8778,7 @@
             </a:r>
             <a:r>
               <a:rPr lang="tr-TR" sz="2400" dirty="0" smtClean="0"/>
-              <a:t> = "</a:t>
-            </a:r>
-            <a:r>
-              <a:rPr lang="tr-TR" sz="2400" dirty="0" smtClean="0"/>
-              <a:t>de_CH";</a:t>
+              <a:t> = "de_CH";</a:t>
             </a:r>
           </a:p>
           <a:p>
@@ -8717,11 +8796,7 @@
             </a:r>
             <a:r>
               <a:rPr lang="tr-TR" sz="2400" dirty="0" smtClean="0"/>
-              <a:t> = </a:t>
-            </a:r>
-            <a:r>
-              <a:rPr lang="tr-TR" sz="2400" dirty="0" smtClean="0"/>
-              <a:t>“</a:t>
+              <a:t> = “</a:t>
             </a:r>
             <a:r>
               <a:rPr lang="tr-TR" sz="2400" dirty="0" err="1" smtClean="0"/>
@@ -8731,7 +8806,6 @@
               <a:rPr lang="tr-TR" sz="2400" dirty="0" smtClean="0"/>
               <a:t>_CH";</a:t>
             </a:r>
-            <a:endParaRPr lang="tr-TR" sz="2400" dirty="0" smtClean="0"/>
           </a:p>
           <a:p>
             <a:r>
@@ -8748,13 +8822,8 @@
             </a:r>
             <a:r>
               <a:rPr lang="tr-TR" sz="2400" dirty="0" smtClean="0"/>
-              <a:t> = </a:t>
-            </a:r>
-            <a:r>
-              <a:rPr lang="tr-TR" sz="2400" dirty="0" smtClean="0"/>
-              <a:t>“tr";</a:t>
-            </a:r>
-            <a:endParaRPr lang="tr-TR" sz="2400" dirty="0" smtClean="0"/>
+              <a:t> = “tr";</a:t>
+            </a:r>
           </a:p>
         </p:txBody>
       </p:sp>
@@ -8847,6 +8916,13 @@
   <p:clrMapOvr>
     <a:masterClrMapping/>
   </p:clrMapOvr>
+  <p:timing>
+    <p:tnLst>
+      <p:par>
+        <p:cTn id="1" dur="indefinite" restart="never" nodeType="tmRoot"/>
+      </p:par>
+    </p:tnLst>
+  </p:timing>
 </p:sld>
 </file>
 
@@ -8931,13 +9007,20 @@
     <a:masterClrMapping/>
   </p:clrMapOvr>
   <mc:AlternateContent xmlns:mc="http://schemas.openxmlformats.org/markup-compatibility/2006">
-    <mc:Choice xmlns="" xmlns:p14="http://schemas.microsoft.com/office/powerpoint/2010/main" xmlns:p15="http://schemas.microsoft.com/office/powerpoint/2012/main" Requires="p14">
+    <mc:Choice xmlns:p15="http://schemas.microsoft.com/office/powerpoint/2012/main" xmlns:p14="http://schemas.microsoft.com/office/powerpoint/2010/main" xmlns="" Requires="p14">
       <p:transition spd="slow" p14:dur="2000"/>
     </mc:Choice>
     <mc:Fallback>
       <p:transition spd="slow"/>
     </mc:Fallback>
   </mc:AlternateContent>
+  <p:timing>
+    <p:tnLst>
+      <p:par>
+        <p:cTn id="1" dur="indefinite" restart="never" nodeType="tmRoot"/>
+      </p:par>
+    </p:tnLst>
+  </p:timing>
 </p:sld>
 </file>
 
@@ -9022,13 +9105,20 @@
     <a:masterClrMapping/>
   </p:clrMapOvr>
   <mc:AlternateContent xmlns:mc="http://schemas.openxmlformats.org/markup-compatibility/2006">
-    <mc:Choice xmlns="" xmlns:p14="http://schemas.microsoft.com/office/powerpoint/2010/main" xmlns:p15="http://schemas.microsoft.com/office/powerpoint/2012/main" Requires="p14">
+    <mc:Choice xmlns:p15="http://schemas.microsoft.com/office/powerpoint/2012/main" xmlns:p14="http://schemas.microsoft.com/office/powerpoint/2010/main" xmlns="" Requires="p14">
       <p:transition spd="slow" p14:dur="2000"/>
     </mc:Choice>
     <mc:Fallback>
       <p:transition spd="slow"/>
     </mc:Fallback>
   </mc:AlternateContent>
+  <p:timing>
+    <p:tnLst>
+      <p:par>
+        <p:cTn id="1" dur="indefinite" restart="never" nodeType="tmRoot"/>
+      </p:par>
+    </p:tnLst>
+  </p:timing>
 </p:sld>
 </file>
 
@@ -9059,7 +9149,12 @@
             <p:ph type="subTitle"/>
           </p:nvPr>
         </p:nvSpPr>
-        <p:spPr/>
+        <p:spPr>
+          <a:xfrm>
+            <a:off x="285720" y="2357436"/>
+            <a:ext cx="8229240" cy="858600"/>
+          </a:xfrm>
+        </p:spPr>
         <p:txBody>
           <a:bodyPr/>
           <a:lstStyle/>
@@ -9096,6 +9191,10 @@
           </p:nvPr>
         </p:nvSpPr>
         <p:spPr>
+          <a:xfrm>
+            <a:off x="285720" y="214296"/>
+            <a:ext cx="8229240" cy="858600"/>
+          </a:xfrm>
           <a:prstGeom prst="rect">
             <a:avLst/>
           </a:prstGeom>

--- a/js/week14/sunum/Javascript-Libraries.pptx
+++ b/js/week14/sunum/Javascript-Libraries.pptx
@@ -7007,7 +7007,7 @@
     <a:masterClrMapping/>
   </p:clrMapOvr>
   <mc:AlternateContent xmlns:mc="http://schemas.openxmlformats.org/markup-compatibility/2006">
-    <mc:Choice xmlns:p15="http://schemas.microsoft.com/office/powerpoint/2012/main" xmlns:p14="http://schemas.microsoft.com/office/powerpoint/2010/main" xmlns="" Requires="p14">
+    <mc:Choice xmlns="" xmlns:p14="http://schemas.microsoft.com/office/powerpoint/2010/main" xmlns:p15="http://schemas.microsoft.com/office/powerpoint/2012/main" Requires="p14">
       <p:transition spd="slow" p14:dur="2000"/>
     </mc:Choice>
     <mc:Fallback>
@@ -7158,7 +7158,17 @@
                 <a:latin typeface="Roboto"/>
                 <a:ea typeface="Roboto"/>
               </a:rPr>
-              <a:t> faker.js nasil kullanilir?</a:t>
+              <a:t> faker.js nasil kullanilir</a:t>
+            </a:r>
+            <a:r>
+              <a:rPr lang="de" spc="-1" dirty="0" smtClean="0">
+                <a:solidFill>
+                  <a:srgbClr val="000000"/>
+                </a:solidFill>
+                <a:latin typeface="Roboto"/>
+                <a:ea typeface="Roboto"/>
+              </a:rPr>
+              <a:t>?</a:t>
             </a:r>
             <a:endParaRPr lang="en-US" sz="1800" b="0" strike="noStrike" spc="-1" dirty="0">
               <a:latin typeface="Arial"/>
@@ -7306,7 +7316,7 @@
     <a:masterClrMapping/>
   </p:clrMapOvr>
   <mc:AlternateContent xmlns:mc="http://schemas.openxmlformats.org/markup-compatibility/2006">
-    <mc:Choice xmlns:p15="http://schemas.microsoft.com/office/powerpoint/2012/main" xmlns:p14="http://schemas.microsoft.com/office/powerpoint/2010/main" xmlns="" Requires="p14">
+    <mc:Choice xmlns="" xmlns:p14="http://schemas.microsoft.com/office/powerpoint/2010/main" xmlns:p15="http://schemas.microsoft.com/office/powerpoint/2012/main" Requires="p14">
       <p:transition spd="slow" p14:dur="2000"/>
     </mc:Choice>
     <mc:Fallback>
@@ -7487,13 +7497,135 @@
               <a:buFont typeface="Roboto"/>
               <a:buChar char="●"/>
             </a:pPr>
+            <a:endParaRPr lang="tr-TR" dirty="0" smtClean="0"/>
+          </a:p>
+          <a:p>
+            <a:pPr marL="457200" indent="-342360">
+              <a:lnSpc>
+                <a:spcPct val="115000"/>
+              </a:lnSpc>
+              <a:buClr>
+                <a:srgbClr val="000000"/>
+              </a:buClr>
+              <a:buFont typeface="Roboto"/>
+              <a:buChar char="●"/>
+            </a:pPr>
+            <a:r>
+              <a:rPr lang="tr-TR" dirty="0" err="1" smtClean="0"/>
+              <a:t>GitHup</a:t>
+            </a:r>
+            <a:r>
+              <a:rPr lang="tr-TR" dirty="0" smtClean="0"/>
+              <a:t>:</a:t>
+            </a:r>
+            <a:r>
+              <a:rPr lang="tr-TR" i="1" dirty="0" err="1" smtClean="0">
+                <a:hlinkClick r:id="rId2"/>
+              </a:rPr>
+              <a:t>https</a:t>
+            </a:r>
+            <a:r>
+              <a:rPr lang="tr-TR" i="1" dirty="0" smtClean="0">
+                <a:hlinkClick r:id="rId2"/>
+              </a:rPr>
+              <a:t>://</a:t>
+            </a:r>
+            <a:r>
+              <a:rPr lang="tr-TR" i="1" dirty="0" err="1" smtClean="0">
+                <a:hlinkClick r:id="rId2"/>
+              </a:rPr>
+              <a:t>github</a:t>
+            </a:r>
+            <a:r>
+              <a:rPr lang="tr-TR" i="1" dirty="0" smtClean="0">
+                <a:hlinkClick r:id="rId2"/>
+              </a:rPr>
+              <a:t>.com/</a:t>
+            </a:r>
+            <a:r>
+              <a:rPr lang="tr-TR" i="1" dirty="0" err="1" smtClean="0">
+                <a:hlinkClick r:id="rId2"/>
+              </a:rPr>
+              <a:t>marak</a:t>
+            </a:r>
+            <a:r>
+              <a:rPr lang="tr-TR" i="1" dirty="0" smtClean="0">
+                <a:hlinkClick r:id="rId2"/>
+              </a:rPr>
+              <a:t>/</a:t>
+            </a:r>
+            <a:r>
+              <a:rPr lang="tr-TR" i="1" dirty="0" err="1" smtClean="0">
+                <a:hlinkClick r:id="rId2"/>
+              </a:rPr>
+              <a:t>Faker</a:t>
+            </a:r>
+            <a:r>
+              <a:rPr lang="tr-TR" i="1" dirty="0" smtClean="0">
+                <a:hlinkClick r:id="rId2"/>
+              </a:rPr>
+              <a:t>.</a:t>
+            </a:r>
+            <a:r>
+              <a:rPr lang="tr-TR" i="1" dirty="0" err="1" smtClean="0">
+                <a:hlinkClick r:id="rId2"/>
+              </a:rPr>
+              <a:t>js</a:t>
+            </a:r>
+            <a:r>
+              <a:rPr lang="tr-TR" i="1" dirty="0" smtClean="0">
+                <a:hlinkClick r:id="rId2"/>
+              </a:rPr>
+              <a:t>/</a:t>
+            </a:r>
+            <a:endParaRPr lang="tr-TR" i="1" dirty="0" smtClean="0"/>
+          </a:p>
+          <a:p>
+            <a:pPr marL="457200" indent="-342360">
+              <a:lnSpc>
+                <a:spcPct val="115000"/>
+              </a:lnSpc>
+              <a:buClr>
+                <a:srgbClr val="000000"/>
+              </a:buClr>
+            </a:pPr>
+            <a:endParaRPr lang="tr-TR" dirty="0" smtClean="0"/>
+          </a:p>
+          <a:p>
+            <a:pPr marL="457200" indent="-342360">
+              <a:lnSpc>
+                <a:spcPct val="115000"/>
+              </a:lnSpc>
+              <a:buClr>
+                <a:srgbClr val="000000"/>
+              </a:buClr>
+              <a:buFont typeface="Roboto"/>
+              <a:buChar char="●"/>
+            </a:pPr>
+            <a:endParaRPr lang="tr-TR" dirty="0" smtClean="0"/>
+          </a:p>
+          <a:p>
+            <a:pPr marL="457200" indent="-342360">
+              <a:lnSpc>
+                <a:spcPct val="115000"/>
+              </a:lnSpc>
+              <a:buClr>
+                <a:srgbClr val="000000"/>
+              </a:buClr>
+              <a:buFont typeface="Roboto"/>
+              <a:buChar char="●"/>
+            </a:pPr>
             <a:r>
               <a:rPr lang="tr-TR" dirty="0" err="1" smtClean="0"/>
               <a:t>npm</a:t>
             </a:r>
             <a:r>
               <a:rPr lang="tr-TR" dirty="0" smtClean="0"/>
-              <a:t> i </a:t>
+              <a:t> </a:t>
+            </a:r>
+            <a:r>
+              <a:rPr lang="tr-TR" dirty="0" smtClean="0"/>
+              <a:t>i </a:t>
             </a:r>
             <a:r>
               <a:rPr lang="tr-TR" dirty="0" err="1" smtClean="0"/>
@@ -7540,13 +7672,13 @@
             </a:pPr>
             <a:r>
               <a:rPr lang="en-US" spc="-1" dirty="0">
-                <a:hlinkClick r:id="rId2"/>
+                <a:hlinkClick r:id="rId3"/>
               </a:rPr>
               <a:t>https://</a:t>
             </a:r>
             <a:r>
               <a:rPr lang="en-US" spc="-1" dirty="0" smtClean="0">
-                <a:hlinkClick r:id="rId2"/>
+                <a:hlinkClick r:id="rId3"/>
               </a:rPr>
               <a:t>cdnjs.cloudflare.com/ajax/libs/Faker/3.1.0/faker.min.js</a:t>
             </a:r>
@@ -7588,7 +7720,7 @@
     <a:masterClrMapping/>
   </p:clrMapOvr>
   <mc:AlternateContent xmlns:mc="http://schemas.openxmlformats.org/markup-compatibility/2006">
-    <mc:Choice xmlns:p15="http://schemas.microsoft.com/office/powerpoint/2012/main" xmlns:p14="http://schemas.microsoft.com/office/powerpoint/2010/main" xmlns="" Requires="p14">
+    <mc:Choice xmlns="" xmlns:p14="http://schemas.microsoft.com/office/powerpoint/2010/main" xmlns:p15="http://schemas.microsoft.com/office/powerpoint/2012/main" Requires="p14">
       <p:transition spd="slow" p14:dur="2000"/>
     </mc:Choice>
     <mc:Fallback>
@@ -8078,7 +8210,7 @@
     <a:masterClrMapping/>
   </p:clrMapOvr>
   <mc:AlternateContent xmlns:mc="http://schemas.openxmlformats.org/markup-compatibility/2006">
-    <mc:Choice xmlns:p15="http://schemas.microsoft.com/office/powerpoint/2012/main" xmlns:p14="http://schemas.microsoft.com/office/powerpoint/2010/main" xmlns="" Requires="p14">
+    <mc:Choice xmlns="" xmlns:p14="http://schemas.microsoft.com/office/powerpoint/2010/main" xmlns:p15="http://schemas.microsoft.com/office/powerpoint/2012/main" Requires="p14">
       <p:transition spd="slow" p14:dur="2000"/>
     </mc:Choice>
     <mc:Fallback>
@@ -9007,7 +9139,7 @@
     <a:masterClrMapping/>
   </p:clrMapOvr>
   <mc:AlternateContent xmlns:mc="http://schemas.openxmlformats.org/markup-compatibility/2006">
-    <mc:Choice xmlns:p15="http://schemas.microsoft.com/office/powerpoint/2012/main" xmlns:p14="http://schemas.microsoft.com/office/powerpoint/2010/main" xmlns="" Requires="p14">
+    <mc:Choice xmlns="" xmlns:p14="http://schemas.microsoft.com/office/powerpoint/2010/main" xmlns:p15="http://schemas.microsoft.com/office/powerpoint/2012/main" Requires="p14">
       <p:transition spd="slow" p14:dur="2000"/>
     </mc:Choice>
     <mc:Fallback>
@@ -9105,7 +9237,7 @@
     <a:masterClrMapping/>
   </p:clrMapOvr>
   <mc:AlternateContent xmlns:mc="http://schemas.openxmlformats.org/markup-compatibility/2006">
-    <mc:Choice xmlns:p15="http://schemas.microsoft.com/office/powerpoint/2012/main" xmlns:p14="http://schemas.microsoft.com/office/powerpoint/2010/main" xmlns="" Requires="p14">
+    <mc:Choice xmlns="" xmlns:p14="http://schemas.microsoft.com/office/powerpoint/2010/main" xmlns:p15="http://schemas.microsoft.com/office/powerpoint/2012/main" Requires="p14">
       <p:transition spd="slow" p14:dur="2000"/>
     </mc:Choice>
     <mc:Fallback>
@@ -9151,8 +9283,8 @@
         </p:nvSpPr>
         <p:spPr>
           <a:xfrm>
-            <a:off x="285720" y="2357436"/>
-            <a:ext cx="8229240" cy="858600"/>
+            <a:off x="285720" y="1714494"/>
+            <a:ext cx="8229240" cy="1501542"/>
           </a:xfrm>
         </p:spPr>
         <p:txBody>
@@ -9176,6 +9308,23 @@
               <a:buFont typeface="Arial" pitchFamily="34" charset="0"/>
               <a:buChar char="•"/>
             </a:pPr>
+            <a:r>
+              <a:rPr lang="tr-TR" i="1" dirty="0" smtClean="0">
+                <a:hlinkClick r:id="rId3"/>
+              </a:rPr>
+              <a:t>https://js.plainenglish.io/faker-js-npm-module-for-generating-fake-data-5dae437ec3a</a:t>
+            </a:r>
+            <a:endParaRPr lang="tr-TR" i="1" dirty="0" smtClean="0"/>
+          </a:p>
+          <a:p>
+            <a:pPr>
+              <a:buFont typeface="Arial" pitchFamily="34" charset="0"/>
+              <a:buChar char="•"/>
+            </a:pPr>
+            <a:r>
+              <a:rPr lang="tr-TR" i="1" dirty="0" smtClean="0"/>
+              <a:t>https://redstapler.co/generate-random-name-faker-js/</a:t>
+            </a:r>
             <a:endParaRPr lang="tr-TR" i="1" dirty="0"/>
           </a:p>
         </p:txBody>
